--- a/DataWarehousingAssignment_Presentation.pptx
+++ b/DataWarehousingAssignment_Presentation.pptx
@@ -4146,10 +4146,10 @@
       </p:pic>
       <p:pic>
         <p:nvPicPr>
-          <p:cNvPr id="7" name="Picture 6">
+          <p:cNvPr id="6" name="Picture 5">
             <a:extLst>
               <a:ext uri="{FF2B5EF4-FFF2-40B4-BE49-F238E27FC236}">
-                <a16:creationId xmlns:a16="http://schemas.microsoft.com/office/drawing/2014/main" id="{63640BFC-9D88-D650-D596-5091E139E231}"/>
+                <a16:creationId xmlns:a16="http://schemas.microsoft.com/office/drawing/2014/main" id="{DA7A750C-2F2D-6BB1-5F5A-0F3E97813512}"/>
               </a:ext>
             </a:extLst>
           </p:cNvPr>
@@ -4166,8 +4166,8 @@
         </p:blipFill>
         <p:spPr>
           <a:xfrm>
-            <a:off x="822959" y="2911742"/>
-            <a:ext cx="8075382" cy="3184597"/>
+            <a:off x="822960" y="3037372"/>
+            <a:ext cx="7781544" cy="2658625"/>
           </a:xfrm>
           <a:prstGeom prst="rect">
             <a:avLst/>
@@ -4256,10 +4256,10 @@
       </p:sp>
       <p:pic>
         <p:nvPicPr>
-          <p:cNvPr id="6" name="Picture 5">
+          <p:cNvPr id="5" name="Picture 4">
             <a:extLst>
               <a:ext uri="{FF2B5EF4-FFF2-40B4-BE49-F238E27FC236}">
-                <a16:creationId xmlns:a16="http://schemas.microsoft.com/office/drawing/2014/main" id="{838BD7E8-E0E4-619A-F7ED-25EB67DEFAFB}"/>
+                <a16:creationId xmlns:a16="http://schemas.microsoft.com/office/drawing/2014/main" id="{3F5DE60F-87A0-3DC4-0778-45C913DF9E6A}"/>
               </a:ext>
             </a:extLst>
           </p:cNvPr>
@@ -4276,8 +4276,8 @@
         </p:blipFill>
         <p:spPr>
           <a:xfrm>
-            <a:off x="822959" y="2647910"/>
-            <a:ext cx="7410831" cy="1562180"/>
+            <a:off x="822960" y="2792553"/>
+            <a:ext cx="7588640" cy="1949550"/>
           </a:xfrm>
           <a:prstGeom prst="rect">
             <a:avLst/>

--- a/DataWarehousingAssignment_Presentation.pptx
+++ b/DataWarehousingAssignment_Presentation.pptx
@@ -362,7 +362,7 @@
           <a:p>
             <a:fld id="{5BCAD085-E8A6-8845-BD4E-CB4CCA059FC4}" type="datetimeFigureOut">
               <a:rPr lang="en-US" smtClean="0"/>
-              <a:t>4/21/2025</a:t>
+              <a:t>4/22/2025</a:t>
             </a:fld>
             <a:endParaRPr lang="en-US"/>
           </a:p>
@@ -570,7 +570,7 @@
           <a:p>
             <a:fld id="{5BCAD085-E8A6-8845-BD4E-CB4CCA059FC4}" type="datetimeFigureOut">
               <a:rPr lang="en-US" smtClean="0"/>
-              <a:t>4/21/2025</a:t>
+              <a:t>4/22/2025</a:t>
             </a:fld>
             <a:endParaRPr lang="en-US"/>
           </a:p>
@@ -826,7 +826,7 @@
           <a:p>
             <a:fld id="{5BCAD085-E8A6-8845-BD4E-CB4CCA059FC4}" type="datetimeFigureOut">
               <a:rPr lang="en-US" smtClean="0"/>
-              <a:t>4/21/2025</a:t>
+              <a:t>4/22/2025</a:t>
             </a:fld>
             <a:endParaRPr lang="en-US"/>
           </a:p>
@@ -996,7 +996,7 @@
           <a:p>
             <a:fld id="{5BCAD085-E8A6-8845-BD4E-CB4CCA059FC4}" type="datetimeFigureOut">
               <a:rPr lang="en-US" smtClean="0"/>
-              <a:t>4/21/2025</a:t>
+              <a:t>4/22/2025</a:t>
             </a:fld>
             <a:endParaRPr lang="en-US"/>
           </a:p>
@@ -1339,7 +1339,7 @@
           <a:p>
             <a:fld id="{5BCAD085-E8A6-8845-BD4E-CB4CCA059FC4}" type="datetimeFigureOut">
               <a:rPr lang="en-US" smtClean="0"/>
-              <a:t>4/21/2025</a:t>
+              <a:t>4/22/2025</a:t>
             </a:fld>
             <a:endParaRPr lang="en-US"/>
           </a:p>
@@ -1614,7 +1614,7 @@
           <a:p>
             <a:fld id="{5BCAD085-E8A6-8845-BD4E-CB4CCA059FC4}" type="datetimeFigureOut">
               <a:rPr lang="en-US" smtClean="0"/>
-              <a:t>4/21/2025</a:t>
+              <a:t>4/22/2025</a:t>
             </a:fld>
             <a:endParaRPr lang="en-US"/>
           </a:p>
@@ -1993,7 +1993,7 @@
           <a:p>
             <a:fld id="{5BCAD085-E8A6-8845-BD4E-CB4CCA059FC4}" type="datetimeFigureOut">
               <a:rPr lang="en-US" smtClean="0"/>
-              <a:t>4/21/2025</a:t>
+              <a:t>4/22/2025</a:t>
             </a:fld>
             <a:endParaRPr lang="en-US"/>
           </a:p>
@@ -2111,7 +2111,7 @@
           <a:p>
             <a:fld id="{5BCAD085-E8A6-8845-BD4E-CB4CCA059FC4}" type="datetimeFigureOut">
               <a:rPr lang="en-US" smtClean="0"/>
-              <a:t>4/21/2025</a:t>
+              <a:t>4/22/2025</a:t>
             </a:fld>
             <a:endParaRPr lang="en-US"/>
           </a:p>
@@ -2282,7 +2282,7 @@
           <a:p>
             <a:fld id="{5BCAD085-E8A6-8845-BD4E-CB4CCA059FC4}" type="datetimeFigureOut">
               <a:rPr lang="en-US" smtClean="0"/>
-              <a:t>4/21/2025</a:t>
+              <a:t>4/22/2025</a:t>
             </a:fld>
             <a:endParaRPr lang="en-US"/>
           </a:p>
@@ -2636,7 +2636,7 @@
           <a:p>
             <a:fld id="{5BCAD085-E8A6-8845-BD4E-CB4CCA059FC4}" type="datetimeFigureOut">
               <a:rPr lang="en-US" smtClean="0"/>
-              <a:t>4/21/2025</a:t>
+              <a:t>4/22/2025</a:t>
             </a:fld>
             <a:endParaRPr lang="en-US"/>
           </a:p>
@@ -3018,7 +3018,7 @@
           <a:p>
             <a:fld id="{5BCAD085-E8A6-8845-BD4E-CB4CCA059FC4}" type="datetimeFigureOut">
               <a:rPr lang="en-US" smtClean="0"/>
-              <a:t>4/21/2025</a:t>
+              <a:t>4/22/2025</a:t>
             </a:fld>
             <a:endParaRPr lang="en-US"/>
           </a:p>
@@ -3305,7 +3305,7 @@
           <a:p>
             <a:fld id="{5BCAD085-E8A6-8845-BD4E-CB4CCA059FC4}" type="datetimeFigureOut">
               <a:rPr lang="en-US" smtClean="0"/>
-              <a:t>4/21/2025</a:t>
+              <a:t>4/22/2025</a:t>
             </a:fld>
             <a:endParaRPr lang="en-US"/>
           </a:p>
@@ -5080,10 +5080,10 @@
       </p:sp>
       <p:pic>
         <p:nvPicPr>
-          <p:cNvPr id="5" name="Picture 4">
+          <p:cNvPr id="6" name="Picture 5">
             <a:extLst>
               <a:ext uri="{FF2B5EF4-FFF2-40B4-BE49-F238E27FC236}">
-                <a16:creationId xmlns:a16="http://schemas.microsoft.com/office/drawing/2014/main" id="{1E9DF97A-18A2-4A59-2385-CBCCE953FCAC}"/>
+                <a16:creationId xmlns:a16="http://schemas.microsoft.com/office/drawing/2014/main" id="{0A45140A-C5BC-F85A-A86A-CF8A699FE0CA}"/>
               </a:ext>
             </a:extLst>
           </p:cNvPr>
@@ -5100,8 +5100,8 @@
         </p:blipFill>
         <p:spPr>
           <a:xfrm>
-            <a:off x="822960" y="2410268"/>
-            <a:ext cx="7010760" cy="1409772"/>
+            <a:off x="822960" y="2460955"/>
+            <a:ext cx="7543800" cy="1778325"/>
           </a:xfrm>
           <a:prstGeom prst="rect">
             <a:avLst/>
@@ -5194,10 +5194,10 @@
       </p:sp>
       <p:pic>
         <p:nvPicPr>
-          <p:cNvPr id="5" name="Picture 4">
+          <p:cNvPr id="6" name="Picture 5">
             <a:extLst>
               <a:ext uri="{FF2B5EF4-FFF2-40B4-BE49-F238E27FC236}">
-                <a16:creationId xmlns:a16="http://schemas.microsoft.com/office/drawing/2014/main" id="{5F305CD6-9981-73D9-EDFC-DE2F59305D12}"/>
+                <a16:creationId xmlns:a16="http://schemas.microsoft.com/office/drawing/2014/main" id="{F750C44A-A3F1-061B-9ACF-479EF610C413}"/>
               </a:ext>
             </a:extLst>
           </p:cNvPr>
@@ -5214,8 +5214,8 @@
         </p:blipFill>
         <p:spPr>
           <a:xfrm>
-            <a:off x="822960" y="2452618"/>
-            <a:ext cx="7264773" cy="3416476"/>
+            <a:off x="822960" y="2544054"/>
+            <a:ext cx="7543802" cy="3731945"/>
           </a:xfrm>
           <a:prstGeom prst="rect">
             <a:avLst/>
@@ -5304,10 +5304,10 @@
       </p:sp>
       <p:pic>
         <p:nvPicPr>
-          <p:cNvPr id="5" name="Picture 4">
+          <p:cNvPr id="6" name="Picture 5">
             <a:extLst>
               <a:ext uri="{FF2B5EF4-FFF2-40B4-BE49-F238E27FC236}">
-                <a16:creationId xmlns:a16="http://schemas.microsoft.com/office/drawing/2014/main" id="{11EC45A5-6E66-FEA0-85D1-BB9108316891}"/>
+                <a16:creationId xmlns:a16="http://schemas.microsoft.com/office/drawing/2014/main" id="{007FB41A-F214-6650-7AFC-0D71D024D667}"/>
               </a:ext>
             </a:extLst>
           </p:cNvPr>
@@ -5324,8 +5324,8 @@
         </p:blipFill>
         <p:spPr>
           <a:xfrm>
-            <a:off x="822960" y="2422306"/>
-            <a:ext cx="7645793" cy="3454578"/>
+            <a:off x="822960" y="2547569"/>
+            <a:ext cx="7543801" cy="3321525"/>
           </a:xfrm>
           <a:prstGeom prst="rect">
             <a:avLst/>

--- a/DataWarehousingAssignment_Presentation.pptx
+++ b/DataWarehousingAssignment_Presentation.pptx
@@ -16,9 +16,10 @@
     <p:sldId id="269" r:id="rId10"/>
     <p:sldId id="262" r:id="rId11"/>
     <p:sldId id="263" r:id="rId12"/>
-    <p:sldId id="270" r:id="rId13"/>
-    <p:sldId id="264" r:id="rId14"/>
-    <p:sldId id="265" r:id="rId15"/>
+    <p:sldId id="271" r:id="rId13"/>
+    <p:sldId id="270" r:id="rId14"/>
+    <p:sldId id="264" r:id="rId15"/>
+    <p:sldId id="265" r:id="rId16"/>
   </p:sldIdLst>
   <p:sldSz cx="9144000" cy="6858000" type="screen4x3"/>
   <p:notesSz cx="6858000" cy="9144000"/>
@@ -4238,6 +4239,123 @@
           <a:p>
             <a:r>
               <a:rPr dirty="0"/>
+              <a:t>• </a:t>
+            </a:r>
+            <a:r>
+              <a:rPr lang="en-US" dirty="0"/>
+              <a:t>Audit log</a:t>
+            </a:r>
+            <a:r>
+              <a:rPr dirty="0"/>
+              <a:t>:</a:t>
+            </a:r>
+            <a:r>
+              <a:rPr lang="en-US" dirty="0"/>
+              <a:t> Logs ETL and data load actions</a:t>
+            </a:r>
+            <a:endParaRPr dirty="0"/>
+          </a:p>
+        </p:txBody>
+      </p:sp>
+      <p:pic>
+        <p:nvPicPr>
+          <p:cNvPr id="7" name="Picture 6">
+            <a:extLst>
+              <a:ext uri="{FF2B5EF4-FFF2-40B4-BE49-F238E27FC236}">
+                <a16:creationId xmlns:a16="http://schemas.microsoft.com/office/drawing/2014/main" id="{2A6E1824-5528-3BA0-0F42-650BD1FC7916}"/>
+              </a:ext>
+            </a:extLst>
+          </p:cNvPr>
+          <p:cNvPicPr>
+            <a:picLocks noChangeAspect="1"/>
+          </p:cNvPicPr>
+          <p:nvPr/>
+        </p:nvPicPr>
+        <p:blipFill>
+          <a:blip r:embed="rId2"/>
+          <a:stretch>
+            <a:fillRect/>
+          </a:stretch>
+        </p:blipFill>
+        <p:spPr>
+          <a:xfrm>
+            <a:off x="822960" y="2896530"/>
+            <a:ext cx="7543802" cy="2224110"/>
+          </a:xfrm>
+          <a:prstGeom prst="rect">
+            <a:avLst/>
+          </a:prstGeom>
+        </p:spPr>
+      </p:pic>
+    </p:spTree>
+    <p:extLst>
+      <p:ext uri="{BB962C8B-B14F-4D97-AF65-F5344CB8AC3E}">
+        <p14:creationId xmlns:p14="http://schemas.microsoft.com/office/powerpoint/2010/main" val="2096764035"/>
+      </p:ext>
+    </p:extLst>
+  </p:cSld>
+  <p:clrMapOvr>
+    <a:masterClrMapping/>
+  </p:clrMapOvr>
+</p:sld>
+</file>
+
+<file path=ppt/slides/slide13.xml><?xml version="1.0" encoding="utf-8"?>
+<p:sld xmlns:a="http://schemas.openxmlformats.org/drawingml/2006/main" xmlns:r="http://schemas.openxmlformats.org/officeDocument/2006/relationships" xmlns:p="http://schemas.openxmlformats.org/presentationml/2006/main">
+  <p:cSld>
+    <p:spTree>
+      <p:nvGrpSpPr>
+        <p:cNvPr id="1" name=""/>
+        <p:cNvGrpSpPr/>
+        <p:nvPr/>
+      </p:nvGrpSpPr>
+      <p:grpSpPr>
+        <a:xfrm>
+          <a:off x="0" y="0"/>
+          <a:ext cx="0" cy="0"/>
+          <a:chOff x="0" y="0"/>
+          <a:chExt cx="0" cy="0"/>
+        </a:xfrm>
+      </p:grpSpPr>
+      <p:sp>
+        <p:nvSpPr>
+          <p:cNvPr id="2" name="Title 1"/>
+          <p:cNvSpPr>
+            <a:spLocks noGrp="1"/>
+          </p:cNvSpPr>
+          <p:nvPr>
+            <p:ph type="title"/>
+          </p:nvPr>
+        </p:nvSpPr>
+        <p:spPr/>
+        <p:txBody>
+          <a:bodyPr/>
+          <a:lstStyle/>
+          <a:p>
+            <a:r>
+              <a:rPr dirty="0"/>
+              <a:t>Bonus Features</a:t>
+            </a:r>
+          </a:p>
+        </p:txBody>
+      </p:sp>
+      <p:sp>
+        <p:nvSpPr>
+          <p:cNvPr id="3" name="Content Placeholder 2"/>
+          <p:cNvSpPr>
+            <a:spLocks noGrp="1"/>
+          </p:cNvSpPr>
+          <p:nvPr>
+            <p:ph idx="1"/>
+          </p:nvPr>
+        </p:nvSpPr>
+        <p:spPr/>
+        <p:txBody>
+          <a:bodyPr/>
+          <a:lstStyle/>
+          <a:p>
+            <a:r>
+              <a:rPr dirty="0"/>
               <a:t>• Incremental Loading: </a:t>
             </a:r>
             <a:r>
@@ -4297,7 +4415,7 @@
 </p:sld>
 </file>
 
-<file path=ppt/slides/slide13.xml><?xml version="1.0" encoding="utf-8"?>
+<file path=ppt/slides/slide14.xml><?xml version="1.0" encoding="utf-8"?>
 <p:sld xmlns:a="http://schemas.openxmlformats.org/drawingml/2006/main" xmlns:r="http://schemas.openxmlformats.org/officeDocument/2006/relationships" xmlns:p="http://schemas.openxmlformats.org/presentationml/2006/main">
   <p:cSld>
     <p:spTree>
@@ -4374,7 +4492,7 @@
 </p:sld>
 </file>
 
-<file path=ppt/slides/slide14.xml><?xml version="1.0" encoding="utf-8"?>
+<file path=ppt/slides/slide15.xml><?xml version="1.0" encoding="utf-8"?>
 <p:sld xmlns:a="http://schemas.openxmlformats.org/drawingml/2006/main" xmlns:r="http://schemas.openxmlformats.org/officeDocument/2006/relationships" xmlns:p="http://schemas.openxmlformats.org/presentationml/2006/main">
   <p:cSld>
     <p:spTree>

--- a/DataWarehousingAssignment_Presentation.pptx
+++ b/DataWarehousingAssignment_Presentation.pptx
@@ -4374,10 +4374,10 @@
       </p:sp>
       <p:pic>
         <p:nvPicPr>
-          <p:cNvPr id="5" name="Picture 4">
+          <p:cNvPr id="6" name="Picture 5">
             <a:extLst>
               <a:ext uri="{FF2B5EF4-FFF2-40B4-BE49-F238E27FC236}">
-                <a16:creationId xmlns:a16="http://schemas.microsoft.com/office/drawing/2014/main" id="{3F5DE60F-87A0-3DC4-0778-45C913DF9E6A}"/>
+                <a16:creationId xmlns:a16="http://schemas.microsoft.com/office/drawing/2014/main" id="{F6D1A090-DA80-991A-56C1-8413C545E1BD}"/>
               </a:ext>
             </a:extLst>
           </p:cNvPr>
@@ -4394,8 +4394,8 @@
         </p:blipFill>
         <p:spPr>
           <a:xfrm>
-            <a:off x="822960" y="2792553"/>
-            <a:ext cx="7588640" cy="1949550"/>
+            <a:off x="822960" y="3159907"/>
+            <a:ext cx="7543801" cy="1677269"/>
           </a:xfrm>
           <a:prstGeom prst="rect">
             <a:avLst/>

--- a/DataWarehousingAssignment_Presentation.pptx
+++ b/DataWarehousingAssignment_Presentation.pptx
@@ -4020,10 +4020,10 @@
       </p:sp>
       <p:pic>
         <p:nvPicPr>
-          <p:cNvPr id="6" name="Picture 5">
+          <p:cNvPr id="8" name="Picture 7">
             <a:extLst>
               <a:ext uri="{FF2B5EF4-FFF2-40B4-BE49-F238E27FC236}">
-                <a16:creationId xmlns:a16="http://schemas.microsoft.com/office/drawing/2014/main" id="{90B14C9B-2E4A-0769-E477-D802D13062D7}"/>
+                <a16:creationId xmlns:a16="http://schemas.microsoft.com/office/drawing/2014/main" id="{FB788BED-4E16-2698-5A53-A1313AE2083B}"/>
               </a:ext>
             </a:extLst>
           </p:cNvPr>
@@ -4034,13 +4034,14 @@
         </p:nvPicPr>
         <p:blipFill>
           <a:blip r:embed="rId2"/>
-          <a:srcRect t="1" b="35375"/>
-          <a:stretch/>
+          <a:stretch>
+            <a:fillRect/>
+          </a:stretch>
         </p:blipFill>
         <p:spPr>
           <a:xfrm>
-            <a:off x="822960" y="3680460"/>
-            <a:ext cx="7550538" cy="2564892"/>
+            <a:off x="822960" y="3664987"/>
+            <a:ext cx="7543800" cy="2534646"/>
           </a:xfrm>
           <a:prstGeom prst="rect">
             <a:avLst/>

--- a/DataWarehousingAssignment_Presentation.pptx
+++ b/DataWarehousingAssignment_Presentation.pptx
@@ -4148,10 +4148,10 @@
       </p:pic>
       <p:pic>
         <p:nvPicPr>
-          <p:cNvPr id="6" name="Picture 5">
+          <p:cNvPr id="11" name="Picture 10">
             <a:extLst>
               <a:ext uri="{FF2B5EF4-FFF2-40B4-BE49-F238E27FC236}">
-                <a16:creationId xmlns:a16="http://schemas.microsoft.com/office/drawing/2014/main" id="{DA7A750C-2F2D-6BB1-5F5A-0F3E97813512}"/>
+                <a16:creationId xmlns:a16="http://schemas.microsoft.com/office/drawing/2014/main" id="{547D34AA-11AF-16B8-A4BC-9A18E5522E99}"/>
               </a:ext>
             </a:extLst>
           </p:cNvPr>
@@ -4168,8 +4168,8 @@
         </p:blipFill>
         <p:spPr>
           <a:xfrm>
-            <a:off x="822960" y="3037372"/>
-            <a:ext cx="7781544" cy="2658625"/>
+            <a:off x="777240" y="3236298"/>
+            <a:ext cx="7695688" cy="2039790"/>
           </a:xfrm>
           <a:prstGeom prst="rect">
             <a:avLst/>
@@ -4375,10 +4375,10 @@
       </p:sp>
       <p:pic>
         <p:nvPicPr>
-          <p:cNvPr id="6" name="Picture 5">
+          <p:cNvPr id="5" name="Picture 4">
             <a:extLst>
               <a:ext uri="{FF2B5EF4-FFF2-40B4-BE49-F238E27FC236}">
-                <a16:creationId xmlns:a16="http://schemas.microsoft.com/office/drawing/2014/main" id="{F6D1A090-DA80-991A-56C1-8413C545E1BD}"/>
+                <a16:creationId xmlns:a16="http://schemas.microsoft.com/office/drawing/2014/main" id="{F068B0C7-2C80-336A-50D1-8EC52BF3679C}"/>
               </a:ext>
             </a:extLst>
           </p:cNvPr>
@@ -4395,8 +4395,8 @@
         </p:blipFill>
         <p:spPr>
           <a:xfrm>
-            <a:off x="822960" y="3159907"/>
-            <a:ext cx="7543801" cy="1677269"/>
+            <a:off x="822960" y="2916226"/>
+            <a:ext cx="7545452" cy="2039821"/>
           </a:xfrm>
           <a:prstGeom prst="rect">
             <a:avLst/>
@@ -4673,7 +4673,7 @@
           <a:p>
             <a:r>
               <a:rPr lang="en-US" dirty="0"/>
-              <a:t>• Bonus features like SCD type 2 and incremental loading</a:t>
+              <a:t>• Bonus features like SCD type 2, audit logging and incremental loading</a:t>
             </a:r>
           </a:p>
           <a:p>
